--- a/presentations/recommender-systems/recommender_systems.pptx
+++ b/presentations/recommender-systems/recommender_systems.pptx
@@ -553,7 +553,7 @@
           <a:p>
             <a:fld id="{589F1869-F561-48A7-A679-153FEF3C1BB2}" type="datetimeFigureOut">
               <a:rPr lang="ru-RU" smtClean="0"/>
-              <a:t>14.04.2013</a:t>
+              <a:t>07.06.2013</a:t>
             </a:fld>
             <a:endParaRPr lang="ru-RU"/>
           </a:p>
@@ -6408,7 +6408,7 @@
         <p:spPr bwMode="auto">
           <a:xfrm>
             <a:off x="5029200" y="304800"/>
-            <a:ext cx="1805302" cy="523220"/>
+            <a:ext cx="1757212" cy="523220"/>
           </a:xfrm>
           <a:prstGeom prst="rect">
             <a:avLst/>
@@ -6454,7 +6454,7 @@
           <a:lstStyle/>
           <a:p>
             <a:r>
-              <a:rPr lang="en-US" sz="2800" dirty="0" smtClean="0">
+              <a:rPr lang="en-US" sz="2800" smtClean="0">
                 <a:ln w="18415" cmpd="sng">
                   <a:solidFill>
                     <a:srgbClr val="FFFFFF"/>
@@ -6473,7 +6473,29 @@
                 </a:effectLst>
                 <a:latin typeface="Calibri" pitchFamily="34" charset="0"/>
               </a:rPr>
-              <a:t>April, 2013</a:t>
+              <a:t>June, </a:t>
+            </a:r>
+            <a:r>
+              <a:rPr lang="en-US" sz="2800" dirty="0" smtClean="0">
+                <a:ln w="18415" cmpd="sng">
+                  <a:solidFill>
+                    <a:srgbClr val="FFFFFF"/>
+                  </a:solidFill>
+                  <a:prstDash val="solid"/>
+                </a:ln>
+                <a:solidFill>
+                  <a:srgbClr val="FFFFFF"/>
+                </a:solidFill>
+                <a:effectLst>
+                  <a:outerShdw blurRad="63500" dir="3600000" algn="tl" rotWithShape="0">
+                    <a:srgbClr val="000000">
+                      <a:alpha val="70000"/>
+                    </a:srgbClr>
+                  </a:outerShdw>
+                </a:effectLst>
+                <a:latin typeface="Calibri" pitchFamily="34" charset="0"/>
+              </a:rPr>
+              <a:t>2013</a:t>
             </a:r>
             <a:endParaRPr lang="en-US" sz="2800" dirty="0">
               <a:ln w="18415" cmpd="sng">
@@ -9143,9 +9165,6 @@
               </a:rPr>
               <a:t>combining collaborative filtering and content-based filtering </a:t>
             </a:r>
-            <a:endParaRPr lang="en-US" sz="1800" dirty="0" smtClean="0">
-              <a:latin typeface="Calibri" pitchFamily="34" charset="0"/>
-            </a:endParaRPr>
           </a:p>
           <a:p>
             <a:pPr marL="1314450" lvl="2" indent="-457200" algn="just"/>
